--- a/slides/ch8_power.pptx
+++ b/slides/ch8_power.pptx
@@ -5,23 +5,24 @@
     <p:sldMasterId id="2147483696" r:id="rId1"/>
   </p:sldMasterIdLst>
   <p:notesMasterIdLst>
-    <p:notesMasterId r:id="rId16"/>
+    <p:notesMasterId r:id="rId17"/>
   </p:notesMasterIdLst>
   <p:sldIdLst>
     <p:sldId id="257" r:id="rId2"/>
     <p:sldId id="275" r:id="rId3"/>
-    <p:sldId id="258" r:id="rId4"/>
-    <p:sldId id="270" r:id="rId5"/>
-    <p:sldId id="269" r:id="rId6"/>
-    <p:sldId id="260" r:id="rId7"/>
-    <p:sldId id="271" r:id="rId8"/>
-    <p:sldId id="272" r:id="rId9"/>
-    <p:sldId id="263" r:id="rId10"/>
-    <p:sldId id="261" r:id="rId11"/>
-    <p:sldId id="273" r:id="rId12"/>
-    <p:sldId id="266" r:id="rId13"/>
-    <p:sldId id="267" r:id="rId14"/>
-    <p:sldId id="268" r:id="rId15"/>
+    <p:sldId id="276" r:id="rId4"/>
+    <p:sldId id="258" r:id="rId5"/>
+    <p:sldId id="270" r:id="rId6"/>
+    <p:sldId id="269" r:id="rId7"/>
+    <p:sldId id="260" r:id="rId8"/>
+    <p:sldId id="271" r:id="rId9"/>
+    <p:sldId id="272" r:id="rId10"/>
+    <p:sldId id="263" r:id="rId11"/>
+    <p:sldId id="261" r:id="rId12"/>
+    <p:sldId id="273" r:id="rId13"/>
+    <p:sldId id="266" r:id="rId14"/>
+    <p:sldId id="267" r:id="rId15"/>
+    <p:sldId id="268" r:id="rId16"/>
   </p:sldIdLst>
   <p:sldSz cx="12192000" cy="6858000"/>
   <p:notesSz cx="6858000" cy="9144000"/>
@@ -210,7 +211,7 @@
           <a:p>
             <a:fld id="{49BB8E79-D2C6-4452-BD4A-31BFBDD3CF1E}" type="datetimeFigureOut">
               <a:rPr lang="en-US" smtClean="0"/>
-              <a:t>10/2/19</a:t>
+              <a:t>5/19/2020</a:t>
             </a:fld>
             <a:endParaRPr lang="en-US"/>
           </a:p>
@@ -710,7 +711,7 @@
           <a:p>
             <a:fld id="{030F0CC9-A748-4EB9-B620-ED0813D55A6D}" type="slidenum">
               <a:rPr lang="en-US" smtClean="0"/>
-              <a:t>5</a:t>
+              <a:t>6</a:t>
             </a:fld>
             <a:endParaRPr lang="en-US"/>
           </a:p>
@@ -1111,7 +1112,7 @@
           <a:p>
             <a:fld id="{030F0CC9-A748-4EB9-B620-ED0813D55A6D}" type="slidenum">
               <a:rPr lang="en-US" smtClean="0"/>
-              <a:t>6</a:t>
+              <a:t>7</a:t>
             </a:fld>
             <a:endParaRPr lang="en-US"/>
           </a:p>
@@ -1203,7 +1204,7 @@
           <a:p>
             <a:fld id="{030F0CC9-A748-4EB9-B620-ED0813D55A6D}" type="slidenum">
               <a:rPr lang="en-US" smtClean="0"/>
-              <a:t>7</a:t>
+              <a:t>8</a:t>
             </a:fld>
             <a:endParaRPr lang="en-US"/>
           </a:p>
@@ -1287,7 +1288,7 @@
           <a:p>
             <a:fld id="{030F0CC9-A748-4EB9-B620-ED0813D55A6D}" type="slidenum">
               <a:rPr lang="en-US" smtClean="0"/>
-              <a:t>8</a:t>
+              <a:t>9</a:t>
             </a:fld>
             <a:endParaRPr lang="en-US"/>
           </a:p>
@@ -2938,7 +2939,7 @@
           <a:p>
             <a:fld id="{030F0CC9-A748-4EB9-B620-ED0813D55A6D}" type="slidenum">
               <a:rPr lang="en-US" smtClean="0"/>
-              <a:t>11</a:t>
+              <a:t>12</a:t>
             </a:fld>
             <a:endParaRPr lang="en-US"/>
           </a:p>
@@ -3170,7 +3171,7 @@
           <a:p>
             <a:fld id="{99B6E7F4-C063-4B70-B65F-E874E55BE4A2}" type="datetime1">
               <a:rPr lang="en-US" smtClean="0"/>
-              <a:t>10/2/19</a:t>
+              <a:t>5/19/2020</a:t>
             </a:fld>
             <a:endParaRPr lang="en-US"/>
           </a:p>
@@ -3459,7 +3460,7 @@
           <a:p>
             <a:fld id="{AE113B25-94DB-46CA-AE4F-175B5C7C4C7F}" type="datetime1">
               <a:rPr lang="en-US" smtClean="0"/>
-              <a:t>10/2/19</a:t>
+              <a:t>5/19/2020</a:t>
             </a:fld>
             <a:endParaRPr lang="en-US"/>
           </a:p>
@@ -3717,7 +3718,7 @@
           <a:p>
             <a:fld id="{AE113B25-94DB-46CA-AE4F-175B5C7C4C7F}" type="datetime1">
               <a:rPr lang="en-US" smtClean="0"/>
-              <a:t>10/2/19</a:t>
+              <a:t>5/19/2020</a:t>
             </a:fld>
             <a:endParaRPr lang="en-US"/>
           </a:p>
@@ -4185,7 +4186,7 @@
           <a:p>
             <a:fld id="{AE113B25-94DB-46CA-AE4F-175B5C7C4C7F}" type="datetime1">
               <a:rPr lang="en-US" smtClean="0"/>
-              <a:t>10/2/19</a:t>
+              <a:t>5/19/2020</a:t>
             </a:fld>
             <a:endParaRPr lang="en-US"/>
           </a:p>
@@ -4364,7 +4365,7 @@
           <a:p>
             <a:fld id="{AE113B25-94DB-46CA-AE4F-175B5C7C4C7F}" type="datetime1">
               <a:rPr lang="en-US" smtClean="0"/>
-              <a:t>10/2/19</a:t>
+              <a:t>5/19/2020</a:t>
             </a:fld>
             <a:endParaRPr lang="en-US"/>
           </a:p>
@@ -4939,7 +4940,7 @@
           <a:p>
             <a:fld id="{AE113B25-94DB-46CA-AE4F-175B5C7C4C7F}" type="datetime1">
               <a:rPr lang="en-US" smtClean="0"/>
-              <a:t>10/2/19</a:t>
+              <a:t>5/19/2020</a:t>
             </a:fld>
             <a:endParaRPr lang="en-US"/>
           </a:p>
@@ -5270,7 +5271,7 @@
           <a:p>
             <a:fld id="{AE113B25-94DB-46CA-AE4F-175B5C7C4C7F}" type="datetime1">
               <a:rPr lang="en-US" smtClean="0"/>
-              <a:t>10/2/19</a:t>
+              <a:t>5/19/2020</a:t>
             </a:fld>
             <a:endParaRPr lang="en-US"/>
           </a:p>
@@ -5444,7 +5445,7 @@
           <a:p>
             <a:fld id="{F76C3E73-6B3B-4E54-9C34-48D517835F7C}" type="datetime1">
               <a:rPr lang="en-US" smtClean="0"/>
-              <a:t>10/2/19</a:t>
+              <a:t>5/19/2020</a:t>
             </a:fld>
             <a:endParaRPr lang="en-US"/>
           </a:p>
@@ -5622,7 +5623,7 @@
           <a:p>
             <a:fld id="{5E30BD06-DC55-473C-97EC-B50965FE2F29}" type="datetime1">
               <a:rPr lang="en-US" smtClean="0"/>
-              <a:t>10/2/19</a:t>
+              <a:t>5/19/2020</a:t>
             </a:fld>
             <a:endParaRPr lang="en-US"/>
           </a:p>
@@ -5790,7 +5791,7 @@
           <a:p>
             <a:fld id="{8941EC92-884A-4CBB-8209-787E710CB356}" type="datetime1">
               <a:rPr lang="en-US" smtClean="0"/>
-              <a:t>10/2/19</a:t>
+              <a:t>5/19/2020</a:t>
             </a:fld>
             <a:endParaRPr lang="en-US"/>
           </a:p>
@@ -6045,7 +6046,7 @@
           <a:p>
             <a:fld id="{3A621EEB-459F-420B-9A89-4DE1C1A04DFF}" type="datetime1">
               <a:rPr lang="en-US" smtClean="0"/>
-              <a:t>10/2/19</a:t>
+              <a:t>5/19/2020</a:t>
             </a:fld>
             <a:endParaRPr lang="en-US"/>
           </a:p>
@@ -6335,7 +6336,7 @@
           <a:p>
             <a:fld id="{899B7958-B875-402F-A478-E42DEA6F2D6E}" type="datetime1">
               <a:rPr lang="en-US" smtClean="0"/>
-              <a:t>10/2/19</a:t>
+              <a:t>5/19/2020</a:t>
             </a:fld>
             <a:endParaRPr lang="en-US"/>
           </a:p>
@@ -6763,7 +6764,7 @@
           <a:p>
             <a:fld id="{2D78DBA1-E5EF-4ACF-88A3-C962E2A83DD8}" type="datetime1">
               <a:rPr lang="en-US" smtClean="0"/>
-              <a:t>10/2/19</a:t>
+              <a:t>5/19/2020</a:t>
             </a:fld>
             <a:endParaRPr lang="en-US"/>
           </a:p>
@@ -6879,7 +6880,7 @@
           <a:p>
             <a:fld id="{D032F940-B25D-4C80-A849-C78DF21ADCAE}" type="datetime1">
               <a:rPr lang="en-US" smtClean="0"/>
-              <a:t>10/2/19</a:t>
+              <a:t>5/19/2020</a:t>
             </a:fld>
             <a:endParaRPr lang="en-US"/>
           </a:p>
@@ -6972,7 +6973,7 @@
           <a:p>
             <a:fld id="{3370F2CA-4484-4468-B562-DA74E5B1620A}" type="datetime1">
               <a:rPr lang="en-US" smtClean="0"/>
-              <a:t>10/2/19</a:t>
+              <a:t>5/19/2020</a:t>
             </a:fld>
             <a:endParaRPr lang="en-US"/>
           </a:p>
@@ -7253,7 +7254,7 @@
           <a:p>
             <a:fld id="{E81BD58B-F945-4DF5-9016-E4BC27E68D94}" type="datetime1">
               <a:rPr lang="en-US" smtClean="0"/>
-              <a:t>10/2/19</a:t>
+              <a:t>5/19/2020</a:t>
             </a:fld>
             <a:endParaRPr lang="en-US"/>
           </a:p>
@@ -7542,7 +7543,7 @@
           <a:p>
             <a:fld id="{FCDD2A1D-7AF2-4A20-800E-13E8529EFEBE}" type="datetime1">
               <a:rPr lang="en-US" smtClean="0"/>
-              <a:t>10/2/19</a:t>
+              <a:t>5/19/2020</a:t>
             </a:fld>
             <a:endParaRPr lang="en-US"/>
           </a:p>
@@ -7776,7 +7777,7 @@
           <a:p>
             <a:fld id="{AE113B25-94DB-46CA-AE4F-175B5C7C4C7F}" type="datetime1">
               <a:rPr lang="en-US" smtClean="0"/>
-              <a:t>10/2/19</a:t>
+              <a:t>5/19/2020</a:t>
             </a:fld>
             <a:endParaRPr lang="en-US"/>
           </a:p>
@@ -8746,6 +8747,379 @@
           <a:chExt cx="0" cy="0"/>
         </a:xfrm>
       </p:grpSpPr>
+      <p:sp>
+        <p:nvSpPr>
+          <p:cNvPr id="2" name="Title 1"/>
+          <p:cNvSpPr>
+            <a:spLocks noGrp="1"/>
+          </p:cNvSpPr>
+          <p:nvPr>
+            <p:ph type="title"/>
+          </p:nvPr>
+        </p:nvSpPr>
+        <p:spPr>
+          <a:xfrm>
+            <a:off x="807559" y="296458"/>
+            <a:ext cx="9720072" cy="1499616"/>
+          </a:xfrm>
+        </p:spPr>
+        <p:txBody>
+          <a:bodyPr/>
+          <a:lstStyle/>
+          <a:p>
+            <a:r>
+              <a:rPr lang="en-US" cap="none" dirty="0">
+                <a:solidFill>
+                  <a:schemeClr val="tx1"/>
+                </a:solidFill>
+                <a:effectLst>
+                  <a:glow rad="38100">
+                    <a:schemeClr val="bg1">
+                      <a:lumMod val="65000"/>
+                      <a:lumOff val="35000"/>
+                      <a:alpha val="40000"/>
+                    </a:schemeClr>
+                  </a:glow>
+                </a:effectLst>
+              </a:rPr>
+              <a:t>What affects power?</a:t>
+            </a:r>
+          </a:p>
+        </p:txBody>
+      </p:sp>
+      <p:sp>
+        <p:nvSpPr>
+          <p:cNvPr id="3" name="Content Placeholder 2"/>
+          <p:cNvSpPr>
+            <a:spLocks noGrp="1"/>
+          </p:cNvSpPr>
+          <p:nvPr>
+            <p:ph idx="1"/>
+          </p:nvPr>
+        </p:nvSpPr>
+        <p:spPr>
+          <a:xfrm>
+            <a:off x="931183" y="1467131"/>
+            <a:ext cx="4871835" cy="5118234"/>
+          </a:xfrm>
+        </p:spPr>
+        <p:txBody>
+          <a:bodyPr>
+            <a:normAutofit fontScale="85000" lnSpcReduction="20000"/>
+          </a:bodyPr>
+          <a:lstStyle/>
+          <a:p>
+            <a:pPr marL="457200" indent="-457200">
+              <a:lnSpc>
+                <a:spcPct val="150000"/>
+              </a:lnSpc>
+              <a:buFont typeface="+mj-lt"/>
+              <a:buAutoNum type="arabicPeriod"/>
+            </a:pPr>
+            <a:r>
+              <a:rPr lang="en-US" sz="2800" b="1" cap="none" dirty="0">
+                <a:solidFill>
+                  <a:schemeClr val="tx1"/>
+                </a:solidFill>
+                <a:effectLst>
+                  <a:glow rad="38100">
+                    <a:schemeClr val="bg1">
+                      <a:lumMod val="50000"/>
+                      <a:lumOff val="50000"/>
+                      <a:alpha val="20000"/>
+                    </a:schemeClr>
+                  </a:glow>
+                </a:effectLst>
+                <a:latin typeface="Consolas" panose="020B0609020204030204" pitchFamily="49" charset="0"/>
+                <a:cs typeface="Consolas" panose="020B0609020204030204" pitchFamily="49" charset="0"/>
+              </a:rPr>
+              <a:t>Sample Size</a:t>
+            </a:r>
+          </a:p>
+          <a:p>
+            <a:pPr marL="630936" lvl="1" indent="-457200">
+              <a:lnSpc>
+                <a:spcPct val="150000"/>
+              </a:lnSpc>
+            </a:pPr>
+            <a:r>
+              <a:rPr lang="en-US" sz="2400" cap="none" dirty="0">
+                <a:solidFill>
+                  <a:schemeClr val="tx1"/>
+                </a:solidFill>
+                <a:effectLst>
+                  <a:glow rad="38100">
+                    <a:schemeClr val="bg1">
+                      <a:lumMod val="50000"/>
+                      <a:lumOff val="50000"/>
+                      <a:alpha val="20000"/>
+                    </a:schemeClr>
+                  </a:glow>
+                </a:effectLst>
+                <a:latin typeface="Consolas" panose="020B0609020204030204" pitchFamily="49" charset="0"/>
+                <a:cs typeface="Consolas" panose="020B0609020204030204" pitchFamily="49" charset="0"/>
+              </a:rPr>
+              <a:t>Larger sample = more power </a:t>
+            </a:r>
+          </a:p>
+          <a:p>
+            <a:pPr marL="457200" indent="-457200">
+              <a:lnSpc>
+                <a:spcPct val="150000"/>
+              </a:lnSpc>
+              <a:buFont typeface="+mj-lt"/>
+              <a:buAutoNum type="arabicPeriod"/>
+            </a:pPr>
+            <a:r>
+              <a:rPr lang="en-US" sz="2800" b="1" cap="none" dirty="0">
+                <a:solidFill>
+                  <a:schemeClr val="tx1"/>
+                </a:solidFill>
+                <a:effectLst>
+                  <a:glow rad="38100">
+                    <a:schemeClr val="bg1">
+                      <a:lumMod val="50000"/>
+                      <a:lumOff val="50000"/>
+                      <a:alpha val="20000"/>
+                    </a:schemeClr>
+                  </a:glow>
+                </a:effectLst>
+                <a:latin typeface="Consolas" panose="020B0609020204030204" pitchFamily="49" charset="0"/>
+                <a:cs typeface="Consolas" panose="020B0609020204030204" pitchFamily="49" charset="0"/>
+              </a:rPr>
+              <a:t>Effect Size</a:t>
+            </a:r>
+          </a:p>
+          <a:p>
+            <a:pPr marL="630936" lvl="1" indent="-457200">
+              <a:lnSpc>
+                <a:spcPct val="150000"/>
+              </a:lnSpc>
+            </a:pPr>
+            <a:r>
+              <a:rPr lang="en-US" sz="2400" cap="none" dirty="0">
+                <a:solidFill>
+                  <a:schemeClr val="tx1"/>
+                </a:solidFill>
+                <a:effectLst>
+                  <a:glow rad="38100">
+                    <a:schemeClr val="bg1">
+                      <a:lumMod val="50000"/>
+                      <a:lumOff val="50000"/>
+                      <a:alpha val="20000"/>
+                    </a:schemeClr>
+                  </a:glow>
+                </a:effectLst>
+                <a:latin typeface="Consolas" panose="020B0609020204030204" pitchFamily="49" charset="0"/>
+                <a:cs typeface="Consolas" panose="020B0609020204030204" pitchFamily="49" charset="0"/>
+              </a:rPr>
+              <a:t>Larger Effect size = more power</a:t>
+            </a:r>
+          </a:p>
+          <a:p>
+            <a:pPr marL="457200" indent="-457200">
+              <a:lnSpc>
+                <a:spcPct val="150000"/>
+              </a:lnSpc>
+              <a:buFont typeface="+mj-lt"/>
+              <a:buAutoNum type="arabicPeriod"/>
+            </a:pPr>
+            <a:r>
+              <a:rPr lang="en-US" sz="2800" b="1" cap="none" dirty="0">
+                <a:solidFill>
+                  <a:schemeClr val="tx1"/>
+                </a:solidFill>
+                <a:effectLst>
+                  <a:glow rad="38100">
+                    <a:schemeClr val="bg1">
+                      <a:lumMod val="50000"/>
+                      <a:lumOff val="50000"/>
+                      <a:alpha val="20000"/>
+                    </a:schemeClr>
+                  </a:glow>
+                </a:effectLst>
+                <a:latin typeface="Consolas" panose="020B0609020204030204" pitchFamily="49" charset="0"/>
+                <a:cs typeface="Consolas" panose="020B0609020204030204" pitchFamily="49" charset="0"/>
+              </a:rPr>
+              <a:t>Alpha Level</a:t>
+            </a:r>
+          </a:p>
+          <a:p>
+            <a:pPr marL="630936" lvl="1" indent="-457200">
+              <a:lnSpc>
+                <a:spcPct val="150000"/>
+              </a:lnSpc>
+            </a:pPr>
+            <a:r>
+              <a:rPr lang="en-US" sz="2400" cap="none" dirty="0">
+                <a:solidFill>
+                  <a:schemeClr val="tx1"/>
+                </a:solidFill>
+                <a:effectLst>
+                  <a:glow rad="38100">
+                    <a:schemeClr val="bg1">
+                      <a:lumMod val="50000"/>
+                      <a:lumOff val="50000"/>
+                      <a:alpha val="20000"/>
+                    </a:schemeClr>
+                  </a:glow>
+                </a:effectLst>
+                <a:latin typeface="Consolas" panose="020B0609020204030204" pitchFamily="49" charset="0"/>
+                <a:cs typeface="Consolas" panose="020B0609020204030204" pitchFamily="49" charset="0"/>
+              </a:rPr>
+              <a:t>Higher Alphas = more power</a:t>
+            </a:r>
+          </a:p>
+          <a:p>
+            <a:pPr marL="457200" indent="-457200">
+              <a:lnSpc>
+                <a:spcPct val="150000"/>
+              </a:lnSpc>
+              <a:buFont typeface="+mj-lt"/>
+              <a:buAutoNum type="arabicPeriod"/>
+            </a:pPr>
+            <a:r>
+              <a:rPr lang="en-US" sz="2800" b="1" cap="none" dirty="0">
+                <a:solidFill>
+                  <a:schemeClr val="tx1"/>
+                </a:solidFill>
+                <a:effectLst>
+                  <a:glow rad="38100">
+                    <a:schemeClr val="bg1">
+                      <a:lumMod val="50000"/>
+                      <a:lumOff val="50000"/>
+                      <a:alpha val="20000"/>
+                    </a:schemeClr>
+                  </a:glow>
+                </a:effectLst>
+                <a:latin typeface="Consolas" panose="020B0609020204030204" pitchFamily="49" charset="0"/>
+                <a:cs typeface="Consolas" panose="020B0609020204030204" pitchFamily="49" charset="0"/>
+              </a:rPr>
+              <a:t>Directionality</a:t>
+            </a:r>
+          </a:p>
+          <a:p>
+            <a:pPr marL="630936" lvl="1" indent="-457200">
+              <a:lnSpc>
+                <a:spcPct val="150000"/>
+              </a:lnSpc>
+            </a:pPr>
+            <a:r>
+              <a:rPr lang="en-US" sz="2400" cap="none" dirty="0">
+                <a:solidFill>
+                  <a:schemeClr val="tx1"/>
+                </a:solidFill>
+                <a:effectLst>
+                  <a:glow rad="38100">
+                    <a:schemeClr val="bg1">
+                      <a:lumMod val="50000"/>
+                      <a:lumOff val="50000"/>
+                      <a:alpha val="20000"/>
+                    </a:schemeClr>
+                  </a:glow>
+                </a:effectLst>
+                <a:latin typeface="Consolas" panose="020B0609020204030204" pitchFamily="49" charset="0"/>
+                <a:cs typeface="Consolas" panose="020B0609020204030204" pitchFamily="49" charset="0"/>
+              </a:rPr>
+              <a:t>One tail  = more power</a:t>
+            </a:r>
+          </a:p>
+        </p:txBody>
+      </p:sp>
+      <p:sp>
+        <p:nvSpPr>
+          <p:cNvPr id="5" name="Slide Number Placeholder 4"/>
+          <p:cNvSpPr>
+            <a:spLocks noGrp="1"/>
+          </p:cNvSpPr>
+          <p:nvPr>
+            <p:ph type="sldNum" sz="quarter" idx="12"/>
+          </p:nvPr>
+        </p:nvSpPr>
+        <p:spPr/>
+        <p:txBody>
+          <a:bodyPr/>
+          <a:lstStyle/>
+          <a:p>
+            <a:fld id="{70530345-2CA8-4B10-B827-7E2C2137411C}" type="slidenum">
+              <a:rPr lang="en-US" smtClean="0"/>
+              <a:t>10</a:t>
+            </a:fld>
+            <a:endParaRPr lang="en-US"/>
+          </a:p>
+        </p:txBody>
+      </p:sp>
+      <p:pic>
+        <p:nvPicPr>
+          <p:cNvPr id="6" name="Picture 4" descr="http://image.slidesharecdn.com/typeitypeiipowereffectsizelivepresentation-100217011530-phpapp01/95/type-i-type-ii-power-effect-size-live-presentation-13-728.jpg"/>
+          <p:cNvPicPr>
+            <a:picLocks noChangeAspect="1" noChangeArrowheads="1"/>
+          </p:cNvPicPr>
+          <p:nvPr/>
+        </p:nvPicPr>
+        <p:blipFill>
+          <a:blip r:embed="rId2">
+            <a:extLst>
+              <a:ext uri="{28A0092B-C50C-407E-A947-70E740481C1C}">
+                <a14:useLocalDpi xmlns:a14="http://schemas.microsoft.com/office/drawing/2010/main" val="0"/>
+              </a:ext>
+            </a:extLst>
+          </a:blip>
+          <a:srcRect/>
+          <a:stretch>
+            <a:fillRect/>
+          </a:stretch>
+        </p:blipFill>
+        <p:spPr bwMode="auto">
+          <a:xfrm>
+            <a:off x="5803019" y="1467131"/>
+            <a:ext cx="6131606" cy="4598706"/>
+          </a:xfrm>
+          <a:prstGeom prst="rect">
+            <a:avLst/>
+          </a:prstGeom>
+          <a:noFill/>
+          <a:extLst>
+            <a:ext uri="{909E8E84-426E-40DD-AFC4-6F175D3DCCD1}">
+              <a14:hiddenFill xmlns:a14="http://schemas.microsoft.com/office/drawing/2010/main">
+                <a:solidFill>
+                  <a:srgbClr val="FFFFFF"/>
+                </a:solidFill>
+              </a14:hiddenFill>
+            </a:ext>
+          </a:extLst>
+        </p:spPr>
+      </p:pic>
+    </p:spTree>
+    <p:extLst>
+      <p:ext uri="{BB962C8B-B14F-4D97-AF65-F5344CB8AC3E}">
+        <p14:creationId xmlns:p14="http://schemas.microsoft.com/office/powerpoint/2010/main" val="1508050930"/>
+      </p:ext>
+    </p:extLst>
+  </p:cSld>
+  <p:clrMapOvr>
+    <a:masterClrMapping/>
+  </p:clrMapOvr>
+</p:sld>
+</file>
+
+<file path=ppt/slides/slide11.xml><?xml version="1.0" encoding="utf-8"?>
+<p:sld xmlns:a="http://schemas.openxmlformats.org/drawingml/2006/main" xmlns:r="http://schemas.openxmlformats.org/officeDocument/2006/relationships" xmlns:p="http://schemas.openxmlformats.org/presentationml/2006/main">
+  <p:cSld>
+    <p:spTree>
+      <p:nvGrpSpPr>
+        <p:cNvPr id="1" name=""/>
+        <p:cNvGrpSpPr/>
+        <p:nvPr/>
+      </p:nvGrpSpPr>
+      <p:grpSpPr>
+        <a:xfrm>
+          <a:off x="0" y="0"/>
+          <a:ext cx="0" cy="0"/>
+          <a:chOff x="0" y="0"/>
+          <a:chExt cx="0" cy="0"/>
+        </a:xfrm>
+      </p:grpSpPr>
       <p:pic>
         <p:nvPicPr>
           <p:cNvPr id="8" name="Picture 7" descr="Power table"/>
@@ -9245,7 +9619,7 @@
 </p:sld>
 </file>
 
-<file path=ppt/slides/slide11.xml><?xml version="1.0" encoding="utf-8"?>
+<file path=ppt/slides/slide12.xml><?xml version="1.0" encoding="utf-8"?>
 <p:sld xmlns:a="http://schemas.openxmlformats.org/drawingml/2006/main" xmlns:r="http://schemas.openxmlformats.org/officeDocument/2006/relationships" xmlns:p="http://schemas.openxmlformats.org/presentationml/2006/main">
   <p:cSld>
     <p:spTree>
@@ -9301,7 +9675,7 @@
           <a:p>
             <a:fld id="{70530345-2CA8-4B10-B827-7E2C2137411C}" type="slidenum">
               <a:rPr lang="en-US" smtClean="0"/>
-              <a:t>11</a:t>
+              <a:t>12</a:t>
             </a:fld>
             <a:endParaRPr lang="en-US"/>
           </a:p>
@@ -9798,7 +10172,7 @@
 </p:sld>
 </file>
 
-<file path=ppt/slides/slide12.xml><?xml version="1.0" encoding="utf-8"?>
+<file path=ppt/slides/slide13.xml><?xml version="1.0" encoding="utf-8"?>
 <p:sld xmlns:a="http://schemas.openxmlformats.org/drawingml/2006/main" xmlns:r="http://schemas.openxmlformats.org/officeDocument/2006/relationships" xmlns:p="http://schemas.openxmlformats.org/presentationml/2006/main">
   <p:cSld>
     <p:spTree>
@@ -9928,7 +10302,7 @@
           <a:p>
             <a:fld id="{70530345-2CA8-4B10-B827-7E2C2137411C}" type="slidenum">
               <a:rPr lang="en-US" smtClean="0"/>
-              <a:t>12</a:t>
+              <a:t>13</a:t>
             </a:fld>
             <a:endParaRPr lang="en-US"/>
           </a:p>
@@ -9990,405 +10364,6 @@
     <p:extLst>
       <p:ext uri="{BB962C8B-B14F-4D97-AF65-F5344CB8AC3E}">
         <p14:creationId xmlns:p14="http://schemas.microsoft.com/office/powerpoint/2010/main" val="1781051276"/>
-      </p:ext>
-    </p:extLst>
-  </p:cSld>
-  <p:clrMapOvr>
-    <a:masterClrMapping/>
-  </p:clrMapOvr>
-</p:sld>
-</file>
-
-<file path=ppt/slides/slide13.xml><?xml version="1.0" encoding="utf-8"?>
-<p:sld xmlns:a="http://schemas.openxmlformats.org/drawingml/2006/main" xmlns:r="http://schemas.openxmlformats.org/officeDocument/2006/relationships" xmlns:p="http://schemas.openxmlformats.org/presentationml/2006/main">
-  <p:cSld>
-    <p:spTree>
-      <p:nvGrpSpPr>
-        <p:cNvPr id="1" name=""/>
-        <p:cNvGrpSpPr/>
-        <p:nvPr/>
-      </p:nvGrpSpPr>
-      <p:grpSpPr>
-        <a:xfrm>
-          <a:off x="0" y="0"/>
-          <a:ext cx="0" cy="0"/>
-          <a:chOff x="0" y="0"/>
-          <a:chExt cx="0" cy="0"/>
-        </a:xfrm>
-      </p:grpSpPr>
-      <p:sp>
-        <p:nvSpPr>
-          <p:cNvPr id="2" name="Title 1"/>
-          <p:cNvSpPr>
-            <a:spLocks noGrp="1"/>
-          </p:cNvSpPr>
-          <p:nvPr>
-            <p:ph type="title"/>
-          </p:nvPr>
-        </p:nvSpPr>
-        <p:spPr>
-          <a:xfrm>
-            <a:off x="1141413" y="185057"/>
-            <a:ext cx="9905998" cy="1178885"/>
-          </a:xfrm>
-        </p:spPr>
-        <p:txBody>
-          <a:bodyPr/>
-          <a:lstStyle/>
-          <a:p>
-            <a:r>
-              <a:rPr lang="en-US" dirty="0">
-                <a:solidFill>
-                  <a:schemeClr val="tx1"/>
-                </a:solidFill>
-                <a:effectLst>
-                  <a:glow rad="38100">
-                    <a:schemeClr val="bg1">
-                      <a:lumMod val="65000"/>
-                      <a:lumOff val="35000"/>
-                      <a:alpha val="40000"/>
-                    </a:schemeClr>
-                  </a:glow>
-                </a:effectLst>
-              </a:rPr>
-              <a:t>Chap 8: section A</a:t>
-            </a:r>
-          </a:p>
-        </p:txBody>
-      </p:sp>
-      <p:sp>
-        <p:nvSpPr>
-          <p:cNvPr id="3" name="Content Placeholder 2"/>
-          <p:cNvSpPr>
-            <a:spLocks noGrp="1"/>
-          </p:cNvSpPr>
-          <p:nvPr>
-            <p:ph idx="1"/>
-          </p:nvPr>
-        </p:nvSpPr>
-        <p:spPr>
-          <a:xfrm>
-            <a:off x="1141413" y="1546503"/>
-            <a:ext cx="9905998" cy="4519336"/>
-          </a:xfrm>
-        </p:spPr>
-        <p:txBody>
-          <a:bodyPr>
-            <a:noAutofit/>
-          </a:bodyPr>
-          <a:lstStyle/>
-          <a:p>
-            <a:r>
-              <a:rPr lang="en-US" sz="2200" b="1" cap="none" dirty="0">
-                <a:solidFill>
-                  <a:srgbClr val="FFFF00"/>
-                </a:solidFill>
-              </a:rPr>
-              <a:t>d</a:t>
-            </a:r>
-            <a:r>
-              <a:rPr lang="en-US" sz="2200" cap="none" dirty="0">
-                <a:solidFill>
-                  <a:schemeClr val="tx1">
-                    <a:lumMod val="95000"/>
-                  </a:schemeClr>
-                </a:solidFill>
-              </a:rPr>
-              <a:t> is just the number of standard deviations that separate two </a:t>
-            </a:r>
-            <a:r>
-              <a:rPr lang="en-US" sz="2200" cap="none" dirty="0">
-                <a:solidFill>
-                  <a:srgbClr val="FFFF00"/>
-                </a:solidFill>
-              </a:rPr>
-              <a:t>population</a:t>
-            </a:r>
-            <a:r>
-              <a:rPr lang="en-US" sz="2200" cap="none" dirty="0">
-                <a:solidFill>
-                  <a:schemeClr val="tx1">
-                    <a:lumMod val="95000"/>
-                  </a:schemeClr>
-                </a:solidFill>
-              </a:rPr>
-              <a:t> means</a:t>
-            </a:r>
-          </a:p>
-          <a:p>
-            <a:endParaRPr lang="en-US" sz="1000" cap="none" dirty="0">
-              <a:solidFill>
-                <a:schemeClr val="tx1">
-                  <a:lumMod val="95000"/>
-                </a:schemeClr>
-              </a:solidFill>
-            </a:endParaRPr>
-          </a:p>
-          <a:p>
-            <a:r>
-              <a:rPr lang="en-US" sz="2200" b="1" i="1" cap="none" dirty="0">
-                <a:solidFill>
-                  <a:srgbClr val="FFFF00"/>
-                </a:solidFill>
-              </a:rPr>
-              <a:t>g</a:t>
-            </a:r>
-            <a:r>
-              <a:rPr lang="en-US" sz="2200" cap="none" dirty="0">
-                <a:solidFill>
-                  <a:schemeClr val="tx1">
-                    <a:lumMod val="95000"/>
-                  </a:schemeClr>
-                </a:solidFill>
-              </a:rPr>
-              <a:t> is the number of standard deviations (based on pooling the sample variances and taking the square-root) separating the </a:t>
-            </a:r>
-            <a:r>
-              <a:rPr lang="en-US" sz="2200" cap="none" dirty="0">
-                <a:solidFill>
-                  <a:srgbClr val="FFFF00"/>
-                </a:solidFill>
-              </a:rPr>
-              <a:t>sample</a:t>
-            </a:r>
-            <a:r>
-              <a:rPr lang="en-US" sz="2200" cap="none" dirty="0">
-                <a:solidFill>
-                  <a:schemeClr val="tx1">
-                    <a:lumMod val="95000"/>
-                  </a:schemeClr>
-                </a:solidFill>
-              </a:rPr>
-              <a:t> means. </a:t>
-            </a:r>
-          </a:p>
-          <a:p>
-            <a:endParaRPr lang="en-US" sz="1000" cap="none" dirty="0">
-              <a:solidFill>
-                <a:schemeClr val="tx1">
-                  <a:lumMod val="95000"/>
-                </a:schemeClr>
-              </a:solidFill>
-            </a:endParaRPr>
-          </a:p>
-          <a:p>
-            <a:r>
-              <a:rPr lang="en-US" sz="2400" cap="none" dirty="0">
-                <a:solidFill>
-                  <a:schemeClr val="tx1">
-                    <a:lumMod val="95000"/>
-                  </a:schemeClr>
-                </a:solidFill>
-              </a:rPr>
-              <a:t>connection between a calculated </a:t>
-            </a:r>
-            <a:r>
-              <a:rPr lang="en-US" sz="2400" i="1" cap="none" dirty="0">
-                <a:solidFill>
-                  <a:schemeClr val="tx1">
-                    <a:lumMod val="95000"/>
-                  </a:schemeClr>
-                </a:solidFill>
-              </a:rPr>
-              <a:t>t</a:t>
-            </a:r>
-            <a:r>
-              <a:rPr lang="en-US" sz="2400" cap="none" dirty="0">
-                <a:solidFill>
-                  <a:schemeClr val="tx1">
-                    <a:lumMod val="95000"/>
-                  </a:schemeClr>
-                </a:solidFill>
-              </a:rPr>
-              <a:t> and delta; </a:t>
-            </a:r>
-          </a:p>
-          <a:p>
-            <a:pPr lvl="1"/>
-            <a:r>
-              <a:rPr lang="en-US" sz="2200" cap="none" dirty="0">
-                <a:solidFill>
-                  <a:schemeClr val="tx1">
-                    <a:lumMod val="95000"/>
-                  </a:schemeClr>
-                </a:solidFill>
-              </a:rPr>
-              <a:t>large </a:t>
-            </a:r>
-            <a:r>
-              <a:rPr lang="en-US" sz="2200" i="1" cap="none" dirty="0">
-                <a:solidFill>
-                  <a:schemeClr val="tx1">
-                    <a:lumMod val="95000"/>
-                  </a:schemeClr>
-                </a:solidFill>
-              </a:rPr>
-              <a:t>t’</a:t>
-            </a:r>
-            <a:r>
-              <a:rPr lang="en-US" sz="2200" cap="none" dirty="0">
-                <a:solidFill>
-                  <a:schemeClr val="tx1">
-                    <a:lumMod val="95000"/>
-                  </a:schemeClr>
-                </a:solidFill>
-              </a:rPr>
-              <a:t>s are </a:t>
-            </a:r>
-            <a:r>
-              <a:rPr lang="en-US" sz="2200" i="1" cap="none" dirty="0">
-                <a:solidFill>
-                  <a:schemeClr val="tx1">
-                    <a:lumMod val="95000"/>
-                  </a:schemeClr>
-                </a:solidFill>
-              </a:rPr>
-              <a:t>usually</a:t>
-            </a:r>
-            <a:r>
-              <a:rPr lang="en-US" sz="2200" cap="none" dirty="0">
-                <a:solidFill>
-                  <a:schemeClr val="tx1">
-                    <a:lumMod val="95000"/>
-                  </a:schemeClr>
-                </a:solidFill>
-              </a:rPr>
-              <a:t> associated with large deltas</a:t>
-            </a:r>
-          </a:p>
-          <a:p>
-            <a:pPr lvl="1"/>
-            <a:r>
-              <a:rPr lang="en-US" sz="2200" cap="none" dirty="0">
-                <a:solidFill>
-                  <a:schemeClr val="tx1">
-                    <a:lumMod val="95000"/>
-                  </a:schemeClr>
-                </a:solidFill>
-              </a:rPr>
-              <a:t>small </a:t>
-            </a:r>
-            <a:r>
-              <a:rPr lang="en-US" sz="2200" i="1" cap="none" dirty="0">
-                <a:solidFill>
-                  <a:schemeClr val="tx1">
-                    <a:lumMod val="95000"/>
-                  </a:schemeClr>
-                </a:solidFill>
-              </a:rPr>
-              <a:t>t’</a:t>
-            </a:r>
-            <a:r>
-              <a:rPr lang="en-US" sz="2200" cap="none" dirty="0">
-                <a:solidFill>
-                  <a:schemeClr val="tx1">
-                    <a:lumMod val="95000"/>
-                  </a:schemeClr>
-                </a:solidFill>
-              </a:rPr>
-              <a:t>s </a:t>
-            </a:r>
-            <a:r>
-              <a:rPr lang="en-US" sz="2200" i="1" cap="none" dirty="0">
-                <a:solidFill>
-                  <a:schemeClr val="tx1">
-                    <a:lumMod val="95000"/>
-                  </a:schemeClr>
-                </a:solidFill>
-              </a:rPr>
-              <a:t>usually</a:t>
-            </a:r>
-            <a:r>
-              <a:rPr lang="en-US" sz="2200" cap="none" dirty="0">
-                <a:solidFill>
-                  <a:schemeClr val="tx1">
-                    <a:lumMod val="95000"/>
-                  </a:schemeClr>
-                </a:solidFill>
-              </a:rPr>
-              <a:t> with small deltas. </a:t>
-            </a:r>
-          </a:p>
-          <a:p>
-            <a:pPr lvl="1"/>
-            <a:r>
-              <a:rPr lang="en-US" sz="2200" cap="none" dirty="0">
-                <a:solidFill>
-                  <a:schemeClr val="tx1">
-                    <a:lumMod val="95000"/>
-                  </a:schemeClr>
-                </a:solidFill>
-              </a:rPr>
-              <a:t>Of course, the </a:t>
-            </a:r>
-            <a:r>
-              <a:rPr lang="en-US" sz="2200" cap="none" dirty="0">
-                <a:solidFill>
-                  <a:srgbClr val="FFFF00"/>
-                </a:solidFill>
-              </a:rPr>
-              <a:t>alternate hypothesis distribution </a:t>
-            </a:r>
-            <a:r>
-              <a:rPr lang="en-US" sz="2200" cap="none" dirty="0">
-                <a:solidFill>
-                  <a:schemeClr val="tx1">
-                    <a:lumMod val="95000"/>
-                  </a:schemeClr>
-                </a:solidFill>
-              </a:rPr>
-              <a:t>shows that </a:t>
-            </a:r>
-            <a:r>
-              <a:rPr lang="en-US" sz="2200" i="1" cap="none" dirty="0">
-                <a:solidFill>
-                  <a:schemeClr val="tx1">
-                    <a:lumMod val="95000"/>
-                  </a:schemeClr>
-                </a:solidFill>
-              </a:rPr>
-              <a:t>t</a:t>
-            </a:r>
-            <a:r>
-              <a:rPr lang="en-US" sz="2200" cap="none" dirty="0">
-                <a:solidFill>
-                  <a:schemeClr val="tx1">
-                    <a:lumMod val="95000"/>
-                  </a:schemeClr>
-                </a:solidFill>
-              </a:rPr>
-              <a:t> can occasionally come out very differently from delta</a:t>
-            </a:r>
-          </a:p>
-        </p:txBody>
-      </p:sp>
-      <p:sp>
-        <p:nvSpPr>
-          <p:cNvPr id="5" name="Slide Number Placeholder 4"/>
-          <p:cNvSpPr>
-            <a:spLocks noGrp="1"/>
-          </p:cNvSpPr>
-          <p:nvPr>
-            <p:ph type="sldNum" sz="quarter" idx="12"/>
-          </p:nvPr>
-        </p:nvSpPr>
-        <p:spPr/>
-        <p:txBody>
-          <a:bodyPr/>
-          <a:lstStyle/>
-          <a:p>
-            <a:fld id="{70530345-2CA8-4B10-B827-7E2C2137411C}" type="slidenum">
-              <a:rPr lang="en-US" smtClean="0"/>
-              <a:t>13</a:t>
-            </a:fld>
-            <a:endParaRPr lang="en-US"/>
-          </a:p>
-        </p:txBody>
-      </p:sp>
-    </p:spTree>
-    <p:extLst>
-      <p:ext uri="{BB962C8B-B14F-4D97-AF65-F5344CB8AC3E}">
-        <p14:creationId xmlns:p14="http://schemas.microsoft.com/office/powerpoint/2010/main" val="2842483827"/>
       </p:ext>
     </p:extLst>
   </p:cSld>
@@ -10417,6 +10392,405 @@
       </p:grpSpPr>
       <p:sp>
         <p:nvSpPr>
+          <p:cNvPr id="2" name="Title 1"/>
+          <p:cNvSpPr>
+            <a:spLocks noGrp="1"/>
+          </p:cNvSpPr>
+          <p:nvPr>
+            <p:ph type="title"/>
+          </p:nvPr>
+        </p:nvSpPr>
+        <p:spPr>
+          <a:xfrm>
+            <a:off x="1141413" y="185057"/>
+            <a:ext cx="9905998" cy="1178885"/>
+          </a:xfrm>
+        </p:spPr>
+        <p:txBody>
+          <a:bodyPr/>
+          <a:lstStyle/>
+          <a:p>
+            <a:r>
+              <a:rPr lang="en-US" dirty="0">
+                <a:solidFill>
+                  <a:schemeClr val="tx1"/>
+                </a:solidFill>
+                <a:effectLst>
+                  <a:glow rad="38100">
+                    <a:schemeClr val="bg1">
+                      <a:lumMod val="65000"/>
+                      <a:lumOff val="35000"/>
+                      <a:alpha val="40000"/>
+                    </a:schemeClr>
+                  </a:glow>
+                </a:effectLst>
+              </a:rPr>
+              <a:t>Chap 8: section A</a:t>
+            </a:r>
+          </a:p>
+        </p:txBody>
+      </p:sp>
+      <p:sp>
+        <p:nvSpPr>
+          <p:cNvPr id="3" name="Content Placeholder 2"/>
+          <p:cNvSpPr>
+            <a:spLocks noGrp="1"/>
+          </p:cNvSpPr>
+          <p:nvPr>
+            <p:ph idx="1"/>
+          </p:nvPr>
+        </p:nvSpPr>
+        <p:spPr>
+          <a:xfrm>
+            <a:off x="1141413" y="1546503"/>
+            <a:ext cx="9905998" cy="4519336"/>
+          </a:xfrm>
+        </p:spPr>
+        <p:txBody>
+          <a:bodyPr>
+            <a:noAutofit/>
+          </a:bodyPr>
+          <a:lstStyle/>
+          <a:p>
+            <a:r>
+              <a:rPr lang="en-US" sz="2200" b="1" cap="none" dirty="0">
+                <a:solidFill>
+                  <a:srgbClr val="FFFF00"/>
+                </a:solidFill>
+              </a:rPr>
+              <a:t>d</a:t>
+            </a:r>
+            <a:r>
+              <a:rPr lang="en-US" sz="2200" cap="none" dirty="0">
+                <a:solidFill>
+                  <a:schemeClr val="tx1">
+                    <a:lumMod val="95000"/>
+                  </a:schemeClr>
+                </a:solidFill>
+              </a:rPr>
+              <a:t> is just the number of standard deviations that separate two </a:t>
+            </a:r>
+            <a:r>
+              <a:rPr lang="en-US" sz="2200" cap="none" dirty="0">
+                <a:solidFill>
+                  <a:srgbClr val="FFFF00"/>
+                </a:solidFill>
+              </a:rPr>
+              <a:t>population</a:t>
+            </a:r>
+            <a:r>
+              <a:rPr lang="en-US" sz="2200" cap="none" dirty="0">
+                <a:solidFill>
+                  <a:schemeClr val="tx1">
+                    <a:lumMod val="95000"/>
+                  </a:schemeClr>
+                </a:solidFill>
+              </a:rPr>
+              <a:t> means</a:t>
+            </a:r>
+          </a:p>
+          <a:p>
+            <a:endParaRPr lang="en-US" sz="1000" cap="none" dirty="0">
+              <a:solidFill>
+                <a:schemeClr val="tx1">
+                  <a:lumMod val="95000"/>
+                </a:schemeClr>
+              </a:solidFill>
+            </a:endParaRPr>
+          </a:p>
+          <a:p>
+            <a:r>
+              <a:rPr lang="en-US" sz="2200" b="1" i="1" cap="none" dirty="0">
+                <a:solidFill>
+                  <a:srgbClr val="FFFF00"/>
+                </a:solidFill>
+              </a:rPr>
+              <a:t>g</a:t>
+            </a:r>
+            <a:r>
+              <a:rPr lang="en-US" sz="2200" cap="none" dirty="0">
+                <a:solidFill>
+                  <a:schemeClr val="tx1">
+                    <a:lumMod val="95000"/>
+                  </a:schemeClr>
+                </a:solidFill>
+              </a:rPr>
+              <a:t> is the number of standard deviations (based on pooling the sample variances and taking the square-root) separating the </a:t>
+            </a:r>
+            <a:r>
+              <a:rPr lang="en-US" sz="2200" cap="none" dirty="0">
+                <a:solidFill>
+                  <a:srgbClr val="FFFF00"/>
+                </a:solidFill>
+              </a:rPr>
+              <a:t>sample</a:t>
+            </a:r>
+            <a:r>
+              <a:rPr lang="en-US" sz="2200" cap="none" dirty="0">
+                <a:solidFill>
+                  <a:schemeClr val="tx1">
+                    <a:lumMod val="95000"/>
+                  </a:schemeClr>
+                </a:solidFill>
+              </a:rPr>
+              <a:t> means. </a:t>
+            </a:r>
+          </a:p>
+          <a:p>
+            <a:endParaRPr lang="en-US" sz="1000" cap="none" dirty="0">
+              <a:solidFill>
+                <a:schemeClr val="tx1">
+                  <a:lumMod val="95000"/>
+                </a:schemeClr>
+              </a:solidFill>
+            </a:endParaRPr>
+          </a:p>
+          <a:p>
+            <a:r>
+              <a:rPr lang="en-US" sz="2400" cap="none" dirty="0">
+                <a:solidFill>
+                  <a:schemeClr val="tx1">
+                    <a:lumMod val="95000"/>
+                  </a:schemeClr>
+                </a:solidFill>
+              </a:rPr>
+              <a:t>connection between a calculated </a:t>
+            </a:r>
+            <a:r>
+              <a:rPr lang="en-US" sz="2400" i="1" cap="none" dirty="0">
+                <a:solidFill>
+                  <a:schemeClr val="tx1">
+                    <a:lumMod val="95000"/>
+                  </a:schemeClr>
+                </a:solidFill>
+              </a:rPr>
+              <a:t>t</a:t>
+            </a:r>
+            <a:r>
+              <a:rPr lang="en-US" sz="2400" cap="none" dirty="0">
+                <a:solidFill>
+                  <a:schemeClr val="tx1">
+                    <a:lumMod val="95000"/>
+                  </a:schemeClr>
+                </a:solidFill>
+              </a:rPr>
+              <a:t> and delta; </a:t>
+            </a:r>
+          </a:p>
+          <a:p>
+            <a:pPr lvl="1"/>
+            <a:r>
+              <a:rPr lang="en-US" sz="2200" cap="none" dirty="0">
+                <a:solidFill>
+                  <a:schemeClr val="tx1">
+                    <a:lumMod val="95000"/>
+                  </a:schemeClr>
+                </a:solidFill>
+              </a:rPr>
+              <a:t>large </a:t>
+            </a:r>
+            <a:r>
+              <a:rPr lang="en-US" sz="2200" i="1" cap="none" dirty="0">
+                <a:solidFill>
+                  <a:schemeClr val="tx1">
+                    <a:lumMod val="95000"/>
+                  </a:schemeClr>
+                </a:solidFill>
+              </a:rPr>
+              <a:t>t’</a:t>
+            </a:r>
+            <a:r>
+              <a:rPr lang="en-US" sz="2200" cap="none" dirty="0">
+                <a:solidFill>
+                  <a:schemeClr val="tx1">
+                    <a:lumMod val="95000"/>
+                  </a:schemeClr>
+                </a:solidFill>
+              </a:rPr>
+              <a:t>s are </a:t>
+            </a:r>
+            <a:r>
+              <a:rPr lang="en-US" sz="2200" i="1" cap="none" dirty="0">
+                <a:solidFill>
+                  <a:schemeClr val="tx1">
+                    <a:lumMod val="95000"/>
+                  </a:schemeClr>
+                </a:solidFill>
+              </a:rPr>
+              <a:t>usually</a:t>
+            </a:r>
+            <a:r>
+              <a:rPr lang="en-US" sz="2200" cap="none" dirty="0">
+                <a:solidFill>
+                  <a:schemeClr val="tx1">
+                    <a:lumMod val="95000"/>
+                  </a:schemeClr>
+                </a:solidFill>
+              </a:rPr>
+              <a:t> associated with large deltas</a:t>
+            </a:r>
+          </a:p>
+          <a:p>
+            <a:pPr lvl="1"/>
+            <a:r>
+              <a:rPr lang="en-US" sz="2200" cap="none" dirty="0">
+                <a:solidFill>
+                  <a:schemeClr val="tx1">
+                    <a:lumMod val="95000"/>
+                  </a:schemeClr>
+                </a:solidFill>
+              </a:rPr>
+              <a:t>small </a:t>
+            </a:r>
+            <a:r>
+              <a:rPr lang="en-US" sz="2200" i="1" cap="none" dirty="0">
+                <a:solidFill>
+                  <a:schemeClr val="tx1">
+                    <a:lumMod val="95000"/>
+                  </a:schemeClr>
+                </a:solidFill>
+              </a:rPr>
+              <a:t>t’</a:t>
+            </a:r>
+            <a:r>
+              <a:rPr lang="en-US" sz="2200" cap="none" dirty="0">
+                <a:solidFill>
+                  <a:schemeClr val="tx1">
+                    <a:lumMod val="95000"/>
+                  </a:schemeClr>
+                </a:solidFill>
+              </a:rPr>
+              <a:t>s </a:t>
+            </a:r>
+            <a:r>
+              <a:rPr lang="en-US" sz="2200" i="1" cap="none" dirty="0">
+                <a:solidFill>
+                  <a:schemeClr val="tx1">
+                    <a:lumMod val="95000"/>
+                  </a:schemeClr>
+                </a:solidFill>
+              </a:rPr>
+              <a:t>usually</a:t>
+            </a:r>
+            <a:r>
+              <a:rPr lang="en-US" sz="2200" cap="none" dirty="0">
+                <a:solidFill>
+                  <a:schemeClr val="tx1">
+                    <a:lumMod val="95000"/>
+                  </a:schemeClr>
+                </a:solidFill>
+              </a:rPr>
+              <a:t> with small deltas. </a:t>
+            </a:r>
+          </a:p>
+          <a:p>
+            <a:pPr lvl="1"/>
+            <a:r>
+              <a:rPr lang="en-US" sz="2200" cap="none" dirty="0">
+                <a:solidFill>
+                  <a:schemeClr val="tx1">
+                    <a:lumMod val="95000"/>
+                  </a:schemeClr>
+                </a:solidFill>
+              </a:rPr>
+              <a:t>Of course, the </a:t>
+            </a:r>
+            <a:r>
+              <a:rPr lang="en-US" sz="2200" cap="none" dirty="0">
+                <a:solidFill>
+                  <a:srgbClr val="FFFF00"/>
+                </a:solidFill>
+              </a:rPr>
+              <a:t>alternate hypothesis distribution </a:t>
+            </a:r>
+            <a:r>
+              <a:rPr lang="en-US" sz="2200" cap="none" dirty="0">
+                <a:solidFill>
+                  <a:schemeClr val="tx1">
+                    <a:lumMod val="95000"/>
+                  </a:schemeClr>
+                </a:solidFill>
+              </a:rPr>
+              <a:t>shows that </a:t>
+            </a:r>
+            <a:r>
+              <a:rPr lang="en-US" sz="2200" i="1" cap="none" dirty="0">
+                <a:solidFill>
+                  <a:schemeClr val="tx1">
+                    <a:lumMod val="95000"/>
+                  </a:schemeClr>
+                </a:solidFill>
+              </a:rPr>
+              <a:t>t</a:t>
+            </a:r>
+            <a:r>
+              <a:rPr lang="en-US" sz="2200" cap="none" dirty="0">
+                <a:solidFill>
+                  <a:schemeClr val="tx1">
+                    <a:lumMod val="95000"/>
+                  </a:schemeClr>
+                </a:solidFill>
+              </a:rPr>
+              <a:t> can occasionally come out very differently from delta</a:t>
+            </a:r>
+          </a:p>
+        </p:txBody>
+      </p:sp>
+      <p:sp>
+        <p:nvSpPr>
+          <p:cNvPr id="5" name="Slide Number Placeholder 4"/>
+          <p:cNvSpPr>
+            <a:spLocks noGrp="1"/>
+          </p:cNvSpPr>
+          <p:nvPr>
+            <p:ph type="sldNum" sz="quarter" idx="12"/>
+          </p:nvPr>
+        </p:nvSpPr>
+        <p:spPr/>
+        <p:txBody>
+          <a:bodyPr/>
+          <a:lstStyle/>
+          <a:p>
+            <a:fld id="{70530345-2CA8-4B10-B827-7E2C2137411C}" type="slidenum">
+              <a:rPr lang="en-US" smtClean="0"/>
+              <a:t>14</a:t>
+            </a:fld>
+            <a:endParaRPr lang="en-US"/>
+          </a:p>
+        </p:txBody>
+      </p:sp>
+    </p:spTree>
+    <p:extLst>
+      <p:ext uri="{BB962C8B-B14F-4D97-AF65-F5344CB8AC3E}">
+        <p14:creationId xmlns:p14="http://schemas.microsoft.com/office/powerpoint/2010/main" val="2842483827"/>
+      </p:ext>
+    </p:extLst>
+  </p:cSld>
+  <p:clrMapOvr>
+    <a:masterClrMapping/>
+  </p:clrMapOvr>
+</p:sld>
+</file>
+
+<file path=ppt/slides/slide15.xml><?xml version="1.0" encoding="utf-8"?>
+<p:sld xmlns:a="http://schemas.openxmlformats.org/drawingml/2006/main" xmlns:r="http://schemas.openxmlformats.org/officeDocument/2006/relationships" xmlns:p="http://schemas.openxmlformats.org/presentationml/2006/main">
+  <p:cSld>
+    <p:spTree>
+      <p:nvGrpSpPr>
+        <p:cNvPr id="1" name=""/>
+        <p:cNvGrpSpPr/>
+        <p:nvPr/>
+      </p:nvGrpSpPr>
+      <p:grpSpPr>
+        <a:xfrm>
+          <a:off x="0" y="0"/>
+          <a:ext cx="0" cy="0"/>
+          <a:chOff x="0" y="0"/>
+          <a:chExt cx="0" cy="0"/>
+        </a:xfrm>
+      </p:grpSpPr>
+      <p:sp>
+        <p:nvSpPr>
           <p:cNvPr id="3" name="Content Placeholder 2"/>
           <p:cNvSpPr>
             <a:spLocks noGrp="1"/>
@@ -10637,7 +11011,7 @@
           <a:p>
             <a:fld id="{70530345-2CA8-4B10-B827-7E2C2137411C}" type="slidenum">
               <a:rPr lang="en-US" smtClean="0"/>
-              <a:t>14</a:t>
+              <a:t>15</a:t>
             </a:fld>
             <a:endParaRPr lang="en-US"/>
           </a:p>
@@ -10857,6 +11231,175 @@
       </p:grpSpPr>
       <p:sp>
         <p:nvSpPr>
+          <p:cNvPr id="2" name="Title 1">
+            <a:extLst>
+              <a:ext uri="{FF2B5EF4-FFF2-40B4-BE49-F238E27FC236}">
+                <a16:creationId xmlns:a16="http://schemas.microsoft.com/office/drawing/2014/main" id="{939CF257-415F-41E3-A698-315EC4E66C99}"/>
+              </a:ext>
+            </a:extLst>
+          </p:cNvPr>
+          <p:cNvSpPr>
+            <a:spLocks noGrp="1"/>
+          </p:cNvSpPr>
+          <p:nvPr>
+            <p:ph type="title"/>
+          </p:nvPr>
+        </p:nvSpPr>
+        <p:spPr>
+          <a:xfrm>
+            <a:off x="1141413" y="609600"/>
+            <a:ext cx="9905998" cy="457200"/>
+          </a:xfrm>
+        </p:spPr>
+        <p:txBody>
+          <a:bodyPr>
+            <a:normAutofit/>
+          </a:bodyPr>
+          <a:lstStyle/>
+          <a:p>
+            <a:r>
+              <a:rPr lang="en-US" sz="2400" dirty="0"/>
+              <a:t>https://math.usu.edu/~schneit/CTIS/HTErrors/HTErrors.html</a:t>
+            </a:r>
+          </a:p>
+        </p:txBody>
+      </p:sp>
+      <p:sp>
+        <p:nvSpPr>
+          <p:cNvPr id="4" name="Footer Placeholder 3">
+            <a:extLst>
+              <a:ext uri="{FF2B5EF4-FFF2-40B4-BE49-F238E27FC236}">
+                <a16:creationId xmlns:a16="http://schemas.microsoft.com/office/drawing/2014/main" id="{560E9E8A-00CB-48A5-8D7B-359F0DD03EFE}"/>
+              </a:ext>
+            </a:extLst>
+          </p:cNvPr>
+          <p:cNvSpPr>
+            <a:spLocks noGrp="1"/>
+          </p:cNvSpPr>
+          <p:nvPr>
+            <p:ph type="ftr" sz="quarter" idx="11"/>
+          </p:nvPr>
+        </p:nvSpPr>
+        <p:spPr/>
+        <p:txBody>
+          <a:bodyPr/>
+          <a:lstStyle/>
+          <a:p>
+            <a:r>
+              <a:rPr lang="en-US"/>
+              <a:t>Cohen Chap 8 - Power &amp; Effect Size</a:t>
+            </a:r>
+          </a:p>
+        </p:txBody>
+      </p:sp>
+      <p:sp>
+        <p:nvSpPr>
+          <p:cNvPr id="5" name="Slide Number Placeholder 4">
+            <a:extLst>
+              <a:ext uri="{FF2B5EF4-FFF2-40B4-BE49-F238E27FC236}">
+                <a16:creationId xmlns:a16="http://schemas.microsoft.com/office/drawing/2014/main" id="{55D3124C-685F-4190-B825-56982CFD440C}"/>
+              </a:ext>
+            </a:extLst>
+          </p:cNvPr>
+          <p:cNvSpPr>
+            <a:spLocks noGrp="1"/>
+          </p:cNvSpPr>
+          <p:nvPr>
+            <p:ph type="sldNum" sz="quarter" idx="12"/>
+          </p:nvPr>
+        </p:nvSpPr>
+        <p:spPr/>
+        <p:txBody>
+          <a:bodyPr/>
+          <a:lstStyle/>
+          <a:p>
+            <a:fld id="{70530345-2CA8-4B10-B827-7E2C2137411C}" type="slidenum">
+              <a:rPr lang="en-US" smtClean="0"/>
+              <a:t>3</a:t>
+            </a:fld>
+            <a:endParaRPr lang="en-US"/>
+          </a:p>
+        </p:txBody>
+      </p:sp>
+      <p:pic>
+        <p:nvPicPr>
+          <p:cNvPr id="1026" name="Picture 2">
+            <a:extLst>
+              <a:ext uri="{FF2B5EF4-FFF2-40B4-BE49-F238E27FC236}">
+                <a16:creationId xmlns:a16="http://schemas.microsoft.com/office/drawing/2014/main" id="{A96AE56E-6949-422C-95D4-0805CFE3308A}"/>
+              </a:ext>
+            </a:extLst>
+          </p:cNvPr>
+          <p:cNvPicPr>
+            <a:picLocks noChangeAspect="1" noChangeArrowheads="1"/>
+          </p:cNvPicPr>
+          <p:nvPr/>
+        </p:nvPicPr>
+        <p:blipFill>
+          <a:blip r:embed="rId2" cstate="print">
+            <a:extLst>
+              <a:ext uri="{28A0092B-C50C-407E-A947-70E740481C1C}">
+                <a14:useLocalDpi xmlns:a14="http://schemas.microsoft.com/office/drawing/2010/main" val="0"/>
+              </a:ext>
+            </a:extLst>
+          </a:blip>
+          <a:srcRect/>
+          <a:stretch>
+            <a:fillRect/>
+          </a:stretch>
+        </p:blipFill>
+        <p:spPr bwMode="auto">
+          <a:xfrm>
+            <a:off x="2895917" y="1233313"/>
+            <a:ext cx="6703695" cy="4649962"/>
+          </a:xfrm>
+          <a:prstGeom prst="rect">
+            <a:avLst/>
+          </a:prstGeom>
+          <a:noFill/>
+          <a:extLst>
+            <a:ext uri="{909E8E84-426E-40DD-AFC4-6F175D3DCCD1}">
+              <a14:hiddenFill xmlns:a14="http://schemas.microsoft.com/office/drawing/2010/main">
+                <a:solidFill>
+                  <a:srgbClr val="FFFFFF"/>
+                </a:solidFill>
+              </a14:hiddenFill>
+            </a:ext>
+          </a:extLst>
+        </p:spPr>
+      </p:pic>
+    </p:spTree>
+    <p:extLst>
+      <p:ext uri="{BB962C8B-B14F-4D97-AF65-F5344CB8AC3E}">
+        <p14:creationId xmlns:p14="http://schemas.microsoft.com/office/powerpoint/2010/main" val="211981901"/>
+      </p:ext>
+    </p:extLst>
+  </p:cSld>
+  <p:clrMapOvr>
+    <a:masterClrMapping/>
+  </p:clrMapOvr>
+</p:sld>
+</file>
+
+<file path=ppt/slides/slide4.xml><?xml version="1.0" encoding="utf-8"?>
+<p:sld xmlns:a="http://schemas.openxmlformats.org/drawingml/2006/main" xmlns:r="http://schemas.openxmlformats.org/officeDocument/2006/relationships" xmlns:p="http://schemas.openxmlformats.org/presentationml/2006/main">
+  <p:cSld>
+    <p:spTree>
+      <p:nvGrpSpPr>
+        <p:cNvPr id="1" name=""/>
+        <p:cNvGrpSpPr/>
+        <p:nvPr/>
+      </p:nvGrpSpPr>
+      <p:grpSpPr>
+        <a:xfrm>
+          <a:off x="0" y="0"/>
+          <a:ext cx="0" cy="0"/>
+          <a:chOff x="0" y="0"/>
+          <a:chExt cx="0" cy="0"/>
+        </a:xfrm>
+      </p:grpSpPr>
+      <p:sp>
+        <p:nvSpPr>
           <p:cNvPr id="2" name="Title 1"/>
           <p:cNvSpPr>
             <a:spLocks noGrp="1"/>
@@ -10983,7 +11526,7 @@
           <a:p>
             <a:fld id="{70530345-2CA8-4B10-B827-7E2C2137411C}" type="slidenum">
               <a:rPr lang="en-US" smtClean="0"/>
-              <a:t>3</a:t>
+              <a:t>4</a:t>
             </a:fld>
             <a:endParaRPr lang="en-US"/>
           </a:p>
@@ -11293,7 +11836,7 @@
 </p:sld>
 </file>
 
-<file path=ppt/slides/slide4.xml><?xml version="1.0" encoding="utf-8"?>
+<file path=ppt/slides/slide5.xml><?xml version="1.0" encoding="utf-8"?>
 <p:sld xmlns:a="http://schemas.openxmlformats.org/drawingml/2006/main" xmlns:r="http://schemas.openxmlformats.org/officeDocument/2006/relationships" xmlns:p="http://schemas.openxmlformats.org/presentationml/2006/main">
   <p:cSld>
     <p:spTree>
@@ -11349,7 +11892,7 @@
           <a:p>
             <a:fld id="{70530345-2CA8-4B10-B827-7E2C2137411C}" type="slidenum">
               <a:rPr lang="en-US" smtClean="0"/>
-              <a:t>4</a:t>
+              <a:t>5</a:t>
             </a:fld>
             <a:endParaRPr lang="en-US"/>
           </a:p>
@@ -11717,7 +12260,7 @@
 </p:sld>
 </file>
 
-<file path=ppt/slides/slide5.xml><?xml version="1.0" encoding="utf-8"?>
+<file path=ppt/slides/slide6.xml><?xml version="1.0" encoding="utf-8"?>
 <p:sld xmlns:a="http://schemas.openxmlformats.org/drawingml/2006/main" xmlns:r="http://schemas.openxmlformats.org/officeDocument/2006/relationships" xmlns:p="http://schemas.openxmlformats.org/presentationml/2006/main">
   <p:cSld>
     <p:spTree>
@@ -12510,7 +13053,7 @@
 </p:sld>
 </file>
 
-<file path=ppt/slides/slide6.xml><?xml version="1.0" encoding="utf-8"?>
+<file path=ppt/slides/slide7.xml><?xml version="1.0" encoding="utf-8"?>
 <p:sld xmlns:a="http://schemas.openxmlformats.org/drawingml/2006/main" xmlns:r="http://schemas.openxmlformats.org/officeDocument/2006/relationships" xmlns:p="http://schemas.openxmlformats.org/presentationml/2006/main">
   <p:cSld>
     <p:spTree>
@@ -12819,7 +13362,7 @@
 </p:sld>
 </file>
 
-<file path=ppt/slides/slide7.xml><?xml version="1.0" encoding="utf-8"?>
+<file path=ppt/slides/slide8.xml><?xml version="1.0" encoding="utf-8"?>
 <p:sld xmlns:a="http://schemas.openxmlformats.org/drawingml/2006/main" xmlns:r="http://schemas.openxmlformats.org/officeDocument/2006/relationships" xmlns:p="http://schemas.openxmlformats.org/presentationml/2006/main">
   <p:cSld>
     <p:spTree>
@@ -13267,7 +13810,7 @@
 </p:sld>
 </file>
 
-<file path=ppt/slides/slide8.xml><?xml version="1.0" encoding="utf-8"?>
+<file path=ppt/slides/slide9.xml><?xml version="1.0" encoding="utf-8"?>
 <p:sld xmlns:a="http://schemas.openxmlformats.org/drawingml/2006/main" xmlns:r="http://schemas.openxmlformats.org/officeDocument/2006/relationships" xmlns:p="http://schemas.openxmlformats.org/presentationml/2006/main">
   <p:cSld>
     <p:spTree>
@@ -13323,8 +13866,8 @@
           </a:effectLst>
         </p:spPr>
       </p:pic>
-      <mc:AlternateContent xmlns:mc="http://schemas.openxmlformats.org/markup-compatibility/2006">
-        <mc:Choice xmlns:a14="http://schemas.microsoft.com/office/drawing/2010/main" Requires="a14">
+      <mc:AlternateContent xmlns:mc="http://schemas.openxmlformats.org/markup-compatibility/2006" xmlns:a14="http://schemas.microsoft.com/office/drawing/2010/main">
+        <mc:Choice Requires="a14">
           <p:sp>
             <p:nvSpPr>
               <p:cNvPr id="3" name="Rectangle 2"/>
@@ -13511,7 +14054,7 @@
             </p:txBody>
           </p:sp>
         </mc:Choice>
-        <mc:Fallback>
+        <mc:Fallback xmlns="">
           <p:sp>
             <p:nvSpPr>
               <p:cNvPr id="3" name="Rectangle 2"/>
@@ -13699,379 +14242,6 @@
     <p:extLst>
       <p:ext uri="{BB962C8B-B14F-4D97-AF65-F5344CB8AC3E}">
         <p14:creationId xmlns:p14="http://schemas.microsoft.com/office/powerpoint/2010/main" val="1446258703"/>
-      </p:ext>
-    </p:extLst>
-  </p:cSld>
-  <p:clrMapOvr>
-    <a:masterClrMapping/>
-  </p:clrMapOvr>
-</p:sld>
-</file>
-
-<file path=ppt/slides/slide9.xml><?xml version="1.0" encoding="utf-8"?>
-<p:sld xmlns:a="http://schemas.openxmlformats.org/drawingml/2006/main" xmlns:r="http://schemas.openxmlformats.org/officeDocument/2006/relationships" xmlns:p="http://schemas.openxmlformats.org/presentationml/2006/main">
-  <p:cSld>
-    <p:spTree>
-      <p:nvGrpSpPr>
-        <p:cNvPr id="1" name=""/>
-        <p:cNvGrpSpPr/>
-        <p:nvPr/>
-      </p:nvGrpSpPr>
-      <p:grpSpPr>
-        <a:xfrm>
-          <a:off x="0" y="0"/>
-          <a:ext cx="0" cy="0"/>
-          <a:chOff x="0" y="0"/>
-          <a:chExt cx="0" cy="0"/>
-        </a:xfrm>
-      </p:grpSpPr>
-      <p:sp>
-        <p:nvSpPr>
-          <p:cNvPr id="2" name="Title 1"/>
-          <p:cNvSpPr>
-            <a:spLocks noGrp="1"/>
-          </p:cNvSpPr>
-          <p:nvPr>
-            <p:ph type="title"/>
-          </p:nvPr>
-        </p:nvSpPr>
-        <p:spPr>
-          <a:xfrm>
-            <a:off x="807559" y="296458"/>
-            <a:ext cx="9720072" cy="1499616"/>
-          </a:xfrm>
-        </p:spPr>
-        <p:txBody>
-          <a:bodyPr/>
-          <a:lstStyle/>
-          <a:p>
-            <a:r>
-              <a:rPr lang="en-US" cap="none" dirty="0">
-                <a:solidFill>
-                  <a:schemeClr val="tx1"/>
-                </a:solidFill>
-                <a:effectLst>
-                  <a:glow rad="38100">
-                    <a:schemeClr val="bg1">
-                      <a:lumMod val="65000"/>
-                      <a:lumOff val="35000"/>
-                      <a:alpha val="40000"/>
-                    </a:schemeClr>
-                  </a:glow>
-                </a:effectLst>
-              </a:rPr>
-              <a:t>What affects power?</a:t>
-            </a:r>
-          </a:p>
-        </p:txBody>
-      </p:sp>
-      <p:sp>
-        <p:nvSpPr>
-          <p:cNvPr id="3" name="Content Placeholder 2"/>
-          <p:cNvSpPr>
-            <a:spLocks noGrp="1"/>
-          </p:cNvSpPr>
-          <p:nvPr>
-            <p:ph idx="1"/>
-          </p:nvPr>
-        </p:nvSpPr>
-        <p:spPr>
-          <a:xfrm>
-            <a:off x="931183" y="1467131"/>
-            <a:ext cx="4871835" cy="5118234"/>
-          </a:xfrm>
-        </p:spPr>
-        <p:txBody>
-          <a:bodyPr>
-            <a:normAutofit fontScale="85000" lnSpcReduction="20000"/>
-          </a:bodyPr>
-          <a:lstStyle/>
-          <a:p>
-            <a:pPr marL="457200" indent="-457200">
-              <a:lnSpc>
-                <a:spcPct val="150000"/>
-              </a:lnSpc>
-              <a:buFont typeface="+mj-lt"/>
-              <a:buAutoNum type="arabicPeriod"/>
-            </a:pPr>
-            <a:r>
-              <a:rPr lang="en-US" sz="2800" b="1" cap="none" dirty="0">
-                <a:solidFill>
-                  <a:schemeClr val="tx1"/>
-                </a:solidFill>
-                <a:effectLst>
-                  <a:glow rad="38100">
-                    <a:schemeClr val="bg1">
-                      <a:lumMod val="50000"/>
-                      <a:lumOff val="50000"/>
-                      <a:alpha val="20000"/>
-                    </a:schemeClr>
-                  </a:glow>
-                </a:effectLst>
-                <a:latin typeface="Consolas" panose="020B0609020204030204" pitchFamily="49" charset="0"/>
-                <a:cs typeface="Consolas" panose="020B0609020204030204" pitchFamily="49" charset="0"/>
-              </a:rPr>
-              <a:t>Sample Size</a:t>
-            </a:r>
-          </a:p>
-          <a:p>
-            <a:pPr marL="630936" lvl="1" indent="-457200">
-              <a:lnSpc>
-                <a:spcPct val="150000"/>
-              </a:lnSpc>
-            </a:pPr>
-            <a:r>
-              <a:rPr lang="en-US" sz="2400" cap="none" dirty="0">
-                <a:solidFill>
-                  <a:schemeClr val="tx1"/>
-                </a:solidFill>
-                <a:effectLst>
-                  <a:glow rad="38100">
-                    <a:schemeClr val="bg1">
-                      <a:lumMod val="50000"/>
-                      <a:lumOff val="50000"/>
-                      <a:alpha val="20000"/>
-                    </a:schemeClr>
-                  </a:glow>
-                </a:effectLst>
-                <a:latin typeface="Consolas" panose="020B0609020204030204" pitchFamily="49" charset="0"/>
-                <a:cs typeface="Consolas" panose="020B0609020204030204" pitchFamily="49" charset="0"/>
-              </a:rPr>
-              <a:t>Larger sample = more power </a:t>
-            </a:r>
-          </a:p>
-          <a:p>
-            <a:pPr marL="457200" indent="-457200">
-              <a:lnSpc>
-                <a:spcPct val="150000"/>
-              </a:lnSpc>
-              <a:buFont typeface="+mj-lt"/>
-              <a:buAutoNum type="arabicPeriod"/>
-            </a:pPr>
-            <a:r>
-              <a:rPr lang="en-US" sz="2800" b="1" cap="none" dirty="0">
-                <a:solidFill>
-                  <a:schemeClr val="tx1"/>
-                </a:solidFill>
-                <a:effectLst>
-                  <a:glow rad="38100">
-                    <a:schemeClr val="bg1">
-                      <a:lumMod val="50000"/>
-                      <a:lumOff val="50000"/>
-                      <a:alpha val="20000"/>
-                    </a:schemeClr>
-                  </a:glow>
-                </a:effectLst>
-                <a:latin typeface="Consolas" panose="020B0609020204030204" pitchFamily="49" charset="0"/>
-                <a:cs typeface="Consolas" panose="020B0609020204030204" pitchFamily="49" charset="0"/>
-              </a:rPr>
-              <a:t>Effect Size</a:t>
-            </a:r>
-          </a:p>
-          <a:p>
-            <a:pPr marL="630936" lvl="1" indent="-457200">
-              <a:lnSpc>
-                <a:spcPct val="150000"/>
-              </a:lnSpc>
-            </a:pPr>
-            <a:r>
-              <a:rPr lang="en-US" sz="2400" cap="none" dirty="0">
-                <a:solidFill>
-                  <a:schemeClr val="tx1"/>
-                </a:solidFill>
-                <a:effectLst>
-                  <a:glow rad="38100">
-                    <a:schemeClr val="bg1">
-                      <a:lumMod val="50000"/>
-                      <a:lumOff val="50000"/>
-                      <a:alpha val="20000"/>
-                    </a:schemeClr>
-                  </a:glow>
-                </a:effectLst>
-                <a:latin typeface="Consolas" panose="020B0609020204030204" pitchFamily="49" charset="0"/>
-                <a:cs typeface="Consolas" panose="020B0609020204030204" pitchFamily="49" charset="0"/>
-              </a:rPr>
-              <a:t>Larger Effect size = more power</a:t>
-            </a:r>
-          </a:p>
-          <a:p>
-            <a:pPr marL="457200" indent="-457200">
-              <a:lnSpc>
-                <a:spcPct val="150000"/>
-              </a:lnSpc>
-              <a:buFont typeface="+mj-lt"/>
-              <a:buAutoNum type="arabicPeriod"/>
-            </a:pPr>
-            <a:r>
-              <a:rPr lang="en-US" sz="2800" b="1" cap="none" dirty="0">
-                <a:solidFill>
-                  <a:schemeClr val="tx1"/>
-                </a:solidFill>
-                <a:effectLst>
-                  <a:glow rad="38100">
-                    <a:schemeClr val="bg1">
-                      <a:lumMod val="50000"/>
-                      <a:lumOff val="50000"/>
-                      <a:alpha val="20000"/>
-                    </a:schemeClr>
-                  </a:glow>
-                </a:effectLst>
-                <a:latin typeface="Consolas" panose="020B0609020204030204" pitchFamily="49" charset="0"/>
-                <a:cs typeface="Consolas" panose="020B0609020204030204" pitchFamily="49" charset="0"/>
-              </a:rPr>
-              <a:t>Alpha Level</a:t>
-            </a:r>
-          </a:p>
-          <a:p>
-            <a:pPr marL="630936" lvl="1" indent="-457200">
-              <a:lnSpc>
-                <a:spcPct val="150000"/>
-              </a:lnSpc>
-            </a:pPr>
-            <a:r>
-              <a:rPr lang="en-US" sz="2400" cap="none" dirty="0">
-                <a:solidFill>
-                  <a:schemeClr val="tx1"/>
-                </a:solidFill>
-                <a:effectLst>
-                  <a:glow rad="38100">
-                    <a:schemeClr val="bg1">
-                      <a:lumMod val="50000"/>
-                      <a:lumOff val="50000"/>
-                      <a:alpha val="20000"/>
-                    </a:schemeClr>
-                  </a:glow>
-                </a:effectLst>
-                <a:latin typeface="Consolas" panose="020B0609020204030204" pitchFamily="49" charset="0"/>
-                <a:cs typeface="Consolas" panose="020B0609020204030204" pitchFamily="49" charset="0"/>
-              </a:rPr>
-              <a:t>Higher Alphas = more power</a:t>
-            </a:r>
-          </a:p>
-          <a:p>
-            <a:pPr marL="457200" indent="-457200">
-              <a:lnSpc>
-                <a:spcPct val="150000"/>
-              </a:lnSpc>
-              <a:buFont typeface="+mj-lt"/>
-              <a:buAutoNum type="arabicPeriod"/>
-            </a:pPr>
-            <a:r>
-              <a:rPr lang="en-US" sz="2800" b="1" cap="none" dirty="0">
-                <a:solidFill>
-                  <a:schemeClr val="tx1"/>
-                </a:solidFill>
-                <a:effectLst>
-                  <a:glow rad="38100">
-                    <a:schemeClr val="bg1">
-                      <a:lumMod val="50000"/>
-                      <a:lumOff val="50000"/>
-                      <a:alpha val="20000"/>
-                    </a:schemeClr>
-                  </a:glow>
-                </a:effectLst>
-                <a:latin typeface="Consolas" panose="020B0609020204030204" pitchFamily="49" charset="0"/>
-                <a:cs typeface="Consolas" panose="020B0609020204030204" pitchFamily="49" charset="0"/>
-              </a:rPr>
-              <a:t>Directionality</a:t>
-            </a:r>
-          </a:p>
-          <a:p>
-            <a:pPr marL="630936" lvl="1" indent="-457200">
-              <a:lnSpc>
-                <a:spcPct val="150000"/>
-              </a:lnSpc>
-            </a:pPr>
-            <a:r>
-              <a:rPr lang="en-US" sz="2400" cap="none" dirty="0">
-                <a:solidFill>
-                  <a:schemeClr val="tx1"/>
-                </a:solidFill>
-                <a:effectLst>
-                  <a:glow rad="38100">
-                    <a:schemeClr val="bg1">
-                      <a:lumMod val="50000"/>
-                      <a:lumOff val="50000"/>
-                      <a:alpha val="20000"/>
-                    </a:schemeClr>
-                  </a:glow>
-                </a:effectLst>
-                <a:latin typeface="Consolas" panose="020B0609020204030204" pitchFamily="49" charset="0"/>
-                <a:cs typeface="Consolas" panose="020B0609020204030204" pitchFamily="49" charset="0"/>
-              </a:rPr>
-              <a:t>One tail  = more power</a:t>
-            </a:r>
-          </a:p>
-        </p:txBody>
-      </p:sp>
-      <p:sp>
-        <p:nvSpPr>
-          <p:cNvPr id="5" name="Slide Number Placeholder 4"/>
-          <p:cNvSpPr>
-            <a:spLocks noGrp="1"/>
-          </p:cNvSpPr>
-          <p:nvPr>
-            <p:ph type="sldNum" sz="quarter" idx="12"/>
-          </p:nvPr>
-        </p:nvSpPr>
-        <p:spPr/>
-        <p:txBody>
-          <a:bodyPr/>
-          <a:lstStyle/>
-          <a:p>
-            <a:fld id="{70530345-2CA8-4B10-B827-7E2C2137411C}" type="slidenum">
-              <a:rPr lang="en-US" smtClean="0"/>
-              <a:t>9</a:t>
-            </a:fld>
-            <a:endParaRPr lang="en-US"/>
-          </a:p>
-        </p:txBody>
-      </p:sp>
-      <p:pic>
-        <p:nvPicPr>
-          <p:cNvPr id="6" name="Picture 4" descr="http://image.slidesharecdn.com/typeitypeiipowereffectsizelivepresentation-100217011530-phpapp01/95/type-i-type-ii-power-effect-size-live-presentation-13-728.jpg"/>
-          <p:cNvPicPr>
-            <a:picLocks noChangeAspect="1" noChangeArrowheads="1"/>
-          </p:cNvPicPr>
-          <p:nvPr/>
-        </p:nvPicPr>
-        <p:blipFill>
-          <a:blip r:embed="rId2">
-            <a:extLst>
-              <a:ext uri="{28A0092B-C50C-407E-A947-70E740481C1C}">
-                <a14:useLocalDpi xmlns:a14="http://schemas.microsoft.com/office/drawing/2010/main" val="0"/>
-              </a:ext>
-            </a:extLst>
-          </a:blip>
-          <a:srcRect/>
-          <a:stretch>
-            <a:fillRect/>
-          </a:stretch>
-        </p:blipFill>
-        <p:spPr bwMode="auto">
-          <a:xfrm>
-            <a:off x="5803019" y="1467131"/>
-            <a:ext cx="6131606" cy="4598706"/>
-          </a:xfrm>
-          <a:prstGeom prst="rect">
-            <a:avLst/>
-          </a:prstGeom>
-          <a:noFill/>
-          <a:extLst>
-            <a:ext uri="{909E8E84-426E-40DD-AFC4-6F175D3DCCD1}">
-              <a14:hiddenFill xmlns:a14="http://schemas.microsoft.com/office/drawing/2010/main">
-                <a:solidFill>
-                  <a:srgbClr val="FFFFFF"/>
-                </a:solidFill>
-              </a14:hiddenFill>
-            </a:ext>
-          </a:extLst>
-        </p:spPr>
-      </p:pic>
-    </p:spTree>
-    <p:extLst>
-      <p:ext uri="{BB962C8B-B14F-4D97-AF65-F5344CB8AC3E}">
-        <p14:creationId xmlns:p14="http://schemas.microsoft.com/office/powerpoint/2010/main" val="1508050930"/>
       </p:ext>
     </p:extLst>
   </p:cSld>
